--- a/Air Quality Index Analysis by Country.pptx
+++ b/Air Quality Index Analysis by Country.pptx
@@ -9,7 +9,14 @@
     <p:sldId id="257" r:id="rId3"/>
     <p:sldId id="259" r:id="rId4"/>
     <p:sldId id="258" r:id="rId5"/>
-    <p:sldId id="261" r:id="rId6"/>
+    <p:sldId id="266" r:id="rId6"/>
+    <p:sldId id="261" r:id="rId7"/>
+    <p:sldId id="268" r:id="rId8"/>
+    <p:sldId id="262" r:id="rId9"/>
+    <p:sldId id="263" r:id="rId10"/>
+    <p:sldId id="264" r:id="rId11"/>
+    <p:sldId id="265" r:id="rId12"/>
+    <p:sldId id="267" r:id="rId13"/>
   </p:sldIdLst>
   <p:sldSz cx="12192000" cy="6858000"/>
   <p:notesSz cx="6858000" cy="9144000"/>
@@ -108,6 +115,11 @@
       </a:defRPr>
     </a:lvl9pPr>
   </p:defaultTextStyle>
+  <p:extLst>
+    <p:ext uri="{EFAFB233-063F-42B5-8137-9DF3F51BA10A}">
+      <p15:sldGuideLst xmlns:p15="http://schemas.microsoft.com/office/powerpoint/2012/main"/>
+    </p:ext>
+  </p:extLst>
 </p:presentation>
 </file>
 
@@ -6068,6 +6080,444 @@
 </p:sld>
 </file>
 
+<file path=ppt/slides/slide10.xml><?xml version="1.0" encoding="utf-8"?>
+<p:sld xmlns:a="http://schemas.openxmlformats.org/drawingml/2006/main" xmlns:r="http://schemas.openxmlformats.org/officeDocument/2006/relationships" xmlns:p="http://schemas.openxmlformats.org/presentationml/2006/main">
+  <p:cSld>
+    <p:spTree>
+      <p:nvGrpSpPr>
+        <p:cNvPr id="1" name=""/>
+        <p:cNvGrpSpPr/>
+        <p:nvPr/>
+      </p:nvGrpSpPr>
+      <p:grpSpPr>
+        <a:xfrm>
+          <a:off x="0" y="0"/>
+          <a:ext cx="0" cy="0"/>
+          <a:chOff x="0" y="0"/>
+          <a:chExt cx="0" cy="0"/>
+        </a:xfrm>
+      </p:grpSpPr>
+      <p:sp>
+        <p:nvSpPr>
+          <p:cNvPr id="4" name="Text Placeholder 3">
+            <a:extLst>
+              <a:ext uri="{FF2B5EF4-FFF2-40B4-BE49-F238E27FC236}">
+                <a16:creationId xmlns:a16="http://schemas.microsoft.com/office/drawing/2014/main" id="{D491E3EE-2F6B-4209-ACDF-0A597F884C56}"/>
+              </a:ext>
+            </a:extLst>
+          </p:cNvPr>
+          <p:cNvSpPr>
+            <a:spLocks noGrp="1"/>
+          </p:cNvSpPr>
+          <p:nvPr>
+            <p:ph type="body" sz="half" idx="2"/>
+          </p:nvPr>
+        </p:nvSpPr>
+        <p:spPr>
+          <a:xfrm>
+            <a:off x="726141" y="278337"/>
+            <a:ext cx="8041341" cy="842251"/>
+          </a:xfrm>
+        </p:spPr>
+        <p:txBody>
+          <a:bodyPr>
+            <a:normAutofit/>
+          </a:bodyPr>
+          <a:lstStyle/>
+          <a:p>
+            <a:pPr algn="ctr"/>
+            <a:r>
+              <a:rPr lang="en-US" sz="1800" b="0" i="0" u="none" strike="noStrike" dirty="0">
+                <a:solidFill>
+                  <a:srgbClr val="000000"/>
+                </a:solidFill>
+                <a:effectLst/>
+                <a:latin typeface="Arial" panose="020B0604020202020204" pitchFamily="34" charset="0"/>
+              </a:rPr>
+              <a:t>Is there a correlation between life expectancy and air quality for the countries in the dataset?</a:t>
+            </a:r>
+            <a:endParaRPr lang="en-US" dirty="0"/>
+          </a:p>
+        </p:txBody>
+      </p:sp>
+      <p:sp>
+        <p:nvSpPr>
+          <p:cNvPr id="5" name="TextBox 4">
+            <a:extLst>
+              <a:ext uri="{FF2B5EF4-FFF2-40B4-BE49-F238E27FC236}">
+                <a16:creationId xmlns:a16="http://schemas.microsoft.com/office/drawing/2014/main" id="{EEA745D1-BA9E-4D52-BC25-F0C7C441164B}"/>
+              </a:ext>
+            </a:extLst>
+          </p:cNvPr>
+          <p:cNvSpPr txBox="1"/>
+          <p:nvPr/>
+        </p:nvSpPr>
+        <p:spPr>
+          <a:xfrm>
+            <a:off x="1567543" y="5359375"/>
+            <a:ext cx="6891744" cy="646331"/>
+          </a:xfrm>
+          <a:prstGeom prst="rect">
+            <a:avLst/>
+          </a:prstGeom>
+          <a:noFill/>
+        </p:spPr>
+        <p:txBody>
+          <a:bodyPr wrap="square" rtlCol="0">
+            <a:spAutoFit/>
+          </a:bodyPr>
+          <a:lstStyle/>
+          <a:p>
+            <a:pPr marL="285750" indent="-285750">
+              <a:buFont typeface="Arial" panose="020B0604020202020204" pitchFamily="34" charset="0"/>
+              <a:buChar char="•"/>
+            </a:pPr>
+            <a:r>
+              <a:rPr lang="en-US" dirty="0"/>
+              <a:t>72 Country Sampling </a:t>
+            </a:r>
+          </a:p>
+          <a:p>
+            <a:pPr marL="285750" indent="-285750">
+              <a:buFont typeface="Arial" panose="020B0604020202020204" pitchFamily="34" charset="0"/>
+              <a:buChar char="•"/>
+            </a:pPr>
+            <a:r>
+              <a:rPr lang="en-US" dirty="0"/>
+              <a:t>Negative Correlation between high AQI and Life Expectancy </a:t>
+            </a:r>
+          </a:p>
+        </p:txBody>
+      </p:sp>
+      <p:pic>
+        <p:nvPicPr>
+          <p:cNvPr id="8" name="Picture 7" descr="Chart, scatter chart&#10;&#10;Description automatically generated">
+            <a:extLst>
+              <a:ext uri="{FF2B5EF4-FFF2-40B4-BE49-F238E27FC236}">
+                <a16:creationId xmlns:a16="http://schemas.microsoft.com/office/drawing/2014/main" id="{E9D21FBE-00E6-48E9-9CB6-3E11312E670C}"/>
+              </a:ext>
+            </a:extLst>
+          </p:cNvPr>
+          <p:cNvPicPr>
+            <a:picLocks noChangeAspect="1"/>
+          </p:cNvPicPr>
+          <p:nvPr/>
+        </p:nvPicPr>
+        <p:blipFill>
+          <a:blip r:embed="rId2">
+            <a:extLst>
+              <a:ext uri="{28A0092B-C50C-407E-A947-70E740481C1C}">
+                <a14:useLocalDpi xmlns:a14="http://schemas.microsoft.com/office/drawing/2010/main" val="0"/>
+              </a:ext>
+            </a:extLst>
+          </a:blip>
+          <a:stretch>
+            <a:fillRect/>
+          </a:stretch>
+        </p:blipFill>
+        <p:spPr>
+          <a:xfrm>
+            <a:off x="2886890" y="619397"/>
+            <a:ext cx="4809309" cy="4809309"/>
+          </a:xfrm>
+          <a:prstGeom prst="rect">
+            <a:avLst/>
+          </a:prstGeom>
+        </p:spPr>
+      </p:pic>
+    </p:spTree>
+    <p:extLst>
+      <p:ext uri="{BB962C8B-B14F-4D97-AF65-F5344CB8AC3E}">
+        <p14:creationId xmlns:p14="http://schemas.microsoft.com/office/powerpoint/2010/main" val="461493172"/>
+      </p:ext>
+    </p:extLst>
+  </p:cSld>
+  <p:clrMapOvr>
+    <a:masterClrMapping/>
+  </p:clrMapOvr>
+</p:sld>
+</file>
+
+<file path=ppt/slides/slide11.xml><?xml version="1.0" encoding="utf-8"?>
+<p:sld xmlns:a="http://schemas.openxmlformats.org/drawingml/2006/main" xmlns:r="http://schemas.openxmlformats.org/officeDocument/2006/relationships" xmlns:p="http://schemas.openxmlformats.org/presentationml/2006/main">
+  <p:cSld>
+    <p:spTree>
+      <p:nvGrpSpPr>
+        <p:cNvPr id="1" name=""/>
+        <p:cNvGrpSpPr/>
+        <p:nvPr/>
+      </p:nvGrpSpPr>
+      <p:grpSpPr>
+        <a:xfrm>
+          <a:off x="0" y="0"/>
+          <a:ext cx="0" cy="0"/>
+          <a:chOff x="0" y="0"/>
+          <a:chExt cx="0" cy="0"/>
+        </a:xfrm>
+      </p:grpSpPr>
+      <p:sp>
+        <p:nvSpPr>
+          <p:cNvPr id="4" name="Text Placeholder 3">
+            <a:extLst>
+              <a:ext uri="{FF2B5EF4-FFF2-40B4-BE49-F238E27FC236}">
+                <a16:creationId xmlns:a16="http://schemas.microsoft.com/office/drawing/2014/main" id="{D491E3EE-2F6B-4209-ACDF-0A597F884C56}"/>
+              </a:ext>
+            </a:extLst>
+          </p:cNvPr>
+          <p:cNvSpPr>
+            <a:spLocks noGrp="1"/>
+          </p:cNvSpPr>
+          <p:nvPr>
+            <p:ph type="body" sz="half" idx="2"/>
+          </p:nvPr>
+        </p:nvSpPr>
+        <p:spPr>
+          <a:xfrm>
+            <a:off x="726141" y="278337"/>
+            <a:ext cx="8041341" cy="842251"/>
+          </a:xfrm>
+        </p:spPr>
+        <p:txBody>
+          <a:bodyPr>
+            <a:normAutofit/>
+          </a:bodyPr>
+          <a:lstStyle/>
+          <a:p>
+            <a:pPr algn="ctr"/>
+            <a:r>
+              <a:rPr lang="en-US" sz="1800" b="0" i="0" u="none" strike="noStrike" dirty="0">
+                <a:solidFill>
+                  <a:srgbClr val="000000"/>
+                </a:solidFill>
+                <a:effectLst/>
+                <a:latin typeface="Arial" panose="020B0604020202020204" pitchFamily="34" charset="0"/>
+              </a:rPr>
+              <a:t>Is there a correlation between life expectancy and air quality for the countries in the dataset?</a:t>
+            </a:r>
+            <a:endParaRPr lang="en-US" dirty="0"/>
+          </a:p>
+        </p:txBody>
+      </p:sp>
+      <p:sp>
+        <p:nvSpPr>
+          <p:cNvPr id="5" name="TextBox 4">
+            <a:extLst>
+              <a:ext uri="{FF2B5EF4-FFF2-40B4-BE49-F238E27FC236}">
+                <a16:creationId xmlns:a16="http://schemas.microsoft.com/office/drawing/2014/main" id="{EEA745D1-BA9E-4D52-BC25-F0C7C441164B}"/>
+              </a:ext>
+            </a:extLst>
+          </p:cNvPr>
+          <p:cNvSpPr txBox="1"/>
+          <p:nvPr/>
+        </p:nvSpPr>
+        <p:spPr>
+          <a:xfrm>
+            <a:off x="1567543" y="5359375"/>
+            <a:ext cx="6891744" cy="646331"/>
+          </a:xfrm>
+          <a:prstGeom prst="rect">
+            <a:avLst/>
+          </a:prstGeom>
+          <a:noFill/>
+        </p:spPr>
+        <p:txBody>
+          <a:bodyPr wrap="square" rtlCol="0">
+            <a:spAutoFit/>
+          </a:bodyPr>
+          <a:lstStyle/>
+          <a:p>
+            <a:pPr marL="285750" indent="-285750">
+              <a:buFont typeface="Arial" panose="020B0604020202020204" pitchFamily="34" charset="0"/>
+              <a:buChar char="•"/>
+            </a:pPr>
+            <a:r>
+              <a:rPr lang="en-US" dirty="0"/>
+              <a:t>72 Country Sampling </a:t>
+            </a:r>
+          </a:p>
+          <a:p>
+            <a:pPr marL="285750" indent="-285750">
+              <a:buFont typeface="Arial" panose="020B0604020202020204" pitchFamily="34" charset="0"/>
+              <a:buChar char="•"/>
+            </a:pPr>
+            <a:r>
+              <a:rPr lang="en-US" dirty="0"/>
+              <a:t>Negative Correlation between high AQI and Life Expectancy </a:t>
+            </a:r>
+          </a:p>
+        </p:txBody>
+      </p:sp>
+      <p:pic>
+        <p:nvPicPr>
+          <p:cNvPr id="3" name="Picture 2" descr="Chart, scatter chart&#10;&#10;Description automatically generated">
+            <a:extLst>
+              <a:ext uri="{FF2B5EF4-FFF2-40B4-BE49-F238E27FC236}">
+                <a16:creationId xmlns:a16="http://schemas.microsoft.com/office/drawing/2014/main" id="{0F999701-54D2-4629-A207-92A204A851EF}"/>
+              </a:ext>
+            </a:extLst>
+          </p:cNvPr>
+          <p:cNvPicPr>
+            <a:picLocks noChangeAspect="1"/>
+          </p:cNvPicPr>
+          <p:nvPr/>
+        </p:nvPicPr>
+        <p:blipFill>
+          <a:blip r:embed="rId2">
+            <a:extLst>
+              <a:ext uri="{28A0092B-C50C-407E-A947-70E740481C1C}">
+                <a14:useLocalDpi xmlns:a14="http://schemas.microsoft.com/office/drawing/2010/main" val="0"/>
+              </a:ext>
+            </a:extLst>
+          </a:blip>
+          <a:stretch>
+            <a:fillRect/>
+          </a:stretch>
+        </p:blipFill>
+        <p:spPr>
+          <a:xfrm>
+            <a:off x="2269590" y="1410765"/>
+            <a:ext cx="5487650" cy="3658433"/>
+          </a:xfrm>
+          <a:prstGeom prst="rect">
+            <a:avLst/>
+          </a:prstGeom>
+        </p:spPr>
+      </p:pic>
+      <p:sp>
+        <p:nvSpPr>
+          <p:cNvPr id="6" name="TextBox 5">
+            <a:extLst>
+              <a:ext uri="{FF2B5EF4-FFF2-40B4-BE49-F238E27FC236}">
+                <a16:creationId xmlns:a16="http://schemas.microsoft.com/office/drawing/2014/main" id="{01468899-13D7-4C52-B725-4F34A475271A}"/>
+              </a:ext>
+            </a:extLst>
+          </p:cNvPr>
+          <p:cNvSpPr txBox="1"/>
+          <p:nvPr/>
+        </p:nvSpPr>
+        <p:spPr>
+          <a:xfrm>
+            <a:off x="5083629" y="3055315"/>
+            <a:ext cx="2024742" cy="369332"/>
+          </a:xfrm>
+          <a:prstGeom prst="rect">
+            <a:avLst/>
+          </a:prstGeom>
+          <a:noFill/>
+        </p:spPr>
+        <p:txBody>
+          <a:bodyPr wrap="square" rtlCol="0">
+            <a:spAutoFit/>
+          </a:bodyPr>
+          <a:lstStyle/>
+          <a:p>
+            <a:r>
+              <a:rPr lang="en-US" dirty="0">
+                <a:solidFill>
+                  <a:srgbClr val="FF0000"/>
+                </a:solidFill>
+              </a:rPr>
+              <a:t>Y = -0.2X +82.14</a:t>
+            </a:r>
+          </a:p>
+        </p:txBody>
+      </p:sp>
+    </p:spTree>
+    <p:extLst>
+      <p:ext uri="{BB962C8B-B14F-4D97-AF65-F5344CB8AC3E}">
+        <p14:creationId xmlns:p14="http://schemas.microsoft.com/office/powerpoint/2010/main" val="1956379624"/>
+      </p:ext>
+    </p:extLst>
+  </p:cSld>
+  <p:clrMapOvr>
+    <a:masterClrMapping/>
+  </p:clrMapOvr>
+</p:sld>
+</file>
+
+<file path=ppt/slides/slide12.xml><?xml version="1.0" encoding="utf-8"?>
+<p:sld xmlns:a="http://schemas.openxmlformats.org/drawingml/2006/main" xmlns:r="http://schemas.openxmlformats.org/officeDocument/2006/relationships" xmlns:p="http://schemas.openxmlformats.org/presentationml/2006/main">
+  <p:cSld>
+    <p:spTree>
+      <p:nvGrpSpPr>
+        <p:cNvPr id="1" name=""/>
+        <p:cNvGrpSpPr/>
+        <p:nvPr/>
+      </p:nvGrpSpPr>
+      <p:grpSpPr>
+        <a:xfrm>
+          <a:off x="0" y="0"/>
+          <a:ext cx="0" cy="0"/>
+          <a:chOff x="0" y="0"/>
+          <a:chExt cx="0" cy="0"/>
+        </a:xfrm>
+      </p:grpSpPr>
+      <p:sp>
+        <p:nvSpPr>
+          <p:cNvPr id="2" name="Title 1">
+            <a:extLst>
+              <a:ext uri="{FF2B5EF4-FFF2-40B4-BE49-F238E27FC236}">
+                <a16:creationId xmlns:a16="http://schemas.microsoft.com/office/drawing/2014/main" id="{000630F8-B009-4AA9-8F33-A0F14CFF1CE5}"/>
+              </a:ext>
+            </a:extLst>
+          </p:cNvPr>
+          <p:cNvSpPr>
+            <a:spLocks noGrp="1"/>
+          </p:cNvSpPr>
+          <p:nvPr>
+            <p:ph type="title"/>
+          </p:nvPr>
+        </p:nvSpPr>
+        <p:spPr/>
+        <p:txBody>
+          <a:bodyPr/>
+          <a:lstStyle/>
+          <a:p>
+            <a:r>
+              <a:rPr lang="en-US" dirty="0"/>
+              <a:t>Future Considerations</a:t>
+            </a:r>
+          </a:p>
+        </p:txBody>
+      </p:sp>
+      <p:sp>
+        <p:nvSpPr>
+          <p:cNvPr id="3" name="Content Placeholder 2">
+            <a:extLst>
+              <a:ext uri="{FF2B5EF4-FFF2-40B4-BE49-F238E27FC236}">
+                <a16:creationId xmlns:a16="http://schemas.microsoft.com/office/drawing/2014/main" id="{92AEADF3-F095-4B13-BEED-BA22DFBCEB04}"/>
+              </a:ext>
+            </a:extLst>
+          </p:cNvPr>
+          <p:cNvSpPr>
+            <a:spLocks noGrp="1"/>
+          </p:cNvSpPr>
+          <p:nvPr>
+            <p:ph idx="1"/>
+          </p:nvPr>
+        </p:nvSpPr>
+        <p:spPr/>
+        <p:txBody>
+          <a:bodyPr/>
+          <a:lstStyle/>
+          <a:p>
+            <a:endParaRPr lang="en-US"/>
+          </a:p>
+        </p:txBody>
+      </p:sp>
+    </p:spTree>
+    <p:extLst>
+      <p:ext uri="{BB962C8B-B14F-4D97-AF65-F5344CB8AC3E}">
+        <p14:creationId xmlns:p14="http://schemas.microsoft.com/office/powerpoint/2010/main" val="3849902392"/>
+      </p:ext>
+    </p:extLst>
+  </p:cSld>
+  <p:clrMapOvr>
+    <a:masterClrMapping/>
+  </p:clrMapOvr>
+</p:sld>
+</file>
+
 <file path=ppt/slides/slide2.xml><?xml version="1.0" encoding="utf-8"?>
 <p:sld xmlns:a="http://schemas.openxmlformats.org/drawingml/2006/main" xmlns:r="http://schemas.openxmlformats.org/officeDocument/2006/relationships" xmlns:p="http://schemas.openxmlformats.org/presentationml/2006/main">
   <p:cSld>
@@ -6101,7 +6551,12 @@
             <p:ph type="title"/>
           </p:nvPr>
         </p:nvSpPr>
-        <p:spPr/>
+        <p:spPr>
+          <a:xfrm>
+            <a:off x="677335" y="401805"/>
+            <a:ext cx="8596668" cy="1826581"/>
+          </a:xfrm>
+        </p:spPr>
         <p:txBody>
           <a:bodyPr/>
           <a:lstStyle/>
@@ -6708,6 +7163,14 @@
 <file path=ppt/slides/slide5.xml><?xml version="1.0" encoding="utf-8"?>
 <p:sld xmlns:a="http://schemas.openxmlformats.org/drawingml/2006/main" xmlns:r="http://schemas.openxmlformats.org/officeDocument/2006/relationships" xmlns:p="http://schemas.openxmlformats.org/presentationml/2006/main">
   <p:cSld>
+    <p:bg>
+      <p:bgPr>
+        <a:solidFill>
+          <a:schemeClr val="bg1"/>
+        </a:solidFill>
+        <a:effectLst/>
+      </p:bgPr>
+    </p:bg>
     <p:spTree>
       <p:nvGrpSpPr>
         <p:cNvPr id="1" name=""/>
@@ -6722,6 +7185,868 @@
           <a:chExt cx="0" cy="0"/>
         </a:xfrm>
       </p:grpSpPr>
+      <p:grpSp>
+        <p:nvGrpSpPr>
+          <p:cNvPr id="10" name="Group 9">
+            <a:extLst>
+              <a:ext uri="{FF2B5EF4-FFF2-40B4-BE49-F238E27FC236}">
+                <a16:creationId xmlns:a16="http://schemas.microsoft.com/office/drawing/2014/main" id="{B4DE830A-B531-4A3B-96F6-0ECE88B08555}"/>
+              </a:ext>
+              <a:ext uri="{C183D7F6-B498-43B3-948B-1728B52AA6E4}">
+                <adec:decorative xmlns:adec="http://schemas.microsoft.com/office/drawing/2017/decorative" val="1"/>
+              </a:ext>
+            </a:extLst>
+          </p:cNvPr>
+          <p:cNvGrpSpPr>
+            <a:grpSpLocks noGrp="1" noUngrp="1" noRot="1" noChangeAspect="1" noMove="1" noResize="1"/>
+          </p:cNvGrpSpPr>
+          <p:nvPr>
+            <p:extLst>
+              <p:ext uri="{386F3935-93C4-4BCD-93E2-E3B085C9AB24}">
+                <p16:designElem xmlns:p16="http://schemas.microsoft.com/office/powerpoint/2015/main" val="1"/>
+              </p:ext>
+            </p:extLst>
+          </p:nvPr>
+        </p:nvGrpSpPr>
+        <p:grpSpPr>
+          <a:xfrm>
+            <a:off x="0" y="-8467"/>
+            <a:ext cx="12192000" cy="6866467"/>
+            <a:chOff x="0" y="-8467"/>
+            <a:chExt cx="12192000" cy="6866467"/>
+          </a:xfrm>
+        </p:grpSpPr>
+        <p:cxnSp>
+          <p:nvCxnSpPr>
+            <p:cNvPr id="11" name="Straight Connector 10">
+              <a:extLst>
+                <a:ext uri="{FF2B5EF4-FFF2-40B4-BE49-F238E27FC236}">
+                  <a16:creationId xmlns:a16="http://schemas.microsoft.com/office/drawing/2014/main" id="{2813DF2C-461A-4A8F-9679-A172790D1F3A}"/>
+                </a:ext>
+                <a:ext uri="{C183D7F6-B498-43B3-948B-1728B52AA6E4}">
+                  <adec:decorative xmlns:adec="http://schemas.microsoft.com/office/drawing/2017/decorative" val="1"/>
+                </a:ext>
+              </a:extLst>
+            </p:cNvPr>
+            <p:cNvCxnSpPr/>
+            <p:nvPr>
+              <p:extLst>
+                <p:ext uri="{386F3935-93C4-4BCD-93E2-E3B085C9AB24}">
+                  <p16:designElem xmlns:p16="http://schemas.microsoft.com/office/powerpoint/2015/main" val="1"/>
+                </p:ext>
+              </p:extLst>
+            </p:nvPr>
+          </p:nvCxnSpPr>
+          <p:spPr>
+            <a:xfrm>
+              <a:off x="9371012" y="0"/>
+              <a:ext cx="1219200" cy="6858000"/>
+            </a:xfrm>
+            <a:prstGeom prst="line">
+              <a:avLst/>
+            </a:prstGeom>
+            <a:ln w="9525">
+              <a:solidFill>
+                <a:schemeClr val="bg1">
+                  <a:lumMod val="75000"/>
+                </a:schemeClr>
+              </a:solidFill>
+            </a:ln>
+          </p:spPr>
+          <p:style>
+            <a:lnRef idx="2">
+              <a:schemeClr val="accent1"/>
+            </a:lnRef>
+            <a:fillRef idx="0">
+              <a:schemeClr val="accent1"/>
+            </a:fillRef>
+            <a:effectRef idx="1">
+              <a:schemeClr val="accent1"/>
+            </a:effectRef>
+            <a:fontRef idx="minor">
+              <a:schemeClr val="tx1"/>
+            </a:fontRef>
+          </p:style>
+        </p:cxnSp>
+        <p:cxnSp>
+          <p:nvCxnSpPr>
+            <p:cNvPr id="12" name="Straight Connector 11">
+              <a:extLst>
+                <a:ext uri="{FF2B5EF4-FFF2-40B4-BE49-F238E27FC236}">
+                  <a16:creationId xmlns:a16="http://schemas.microsoft.com/office/drawing/2014/main" id="{54CD3A85-C039-4249-86E4-1EB9318B5495}"/>
+                </a:ext>
+                <a:ext uri="{C183D7F6-B498-43B3-948B-1728B52AA6E4}">
+                  <adec:decorative xmlns:adec="http://schemas.microsoft.com/office/drawing/2017/decorative" val="1"/>
+                </a:ext>
+              </a:extLst>
+            </p:cNvPr>
+            <p:cNvCxnSpPr/>
+            <p:nvPr>
+              <p:extLst>
+                <p:ext uri="{386F3935-93C4-4BCD-93E2-E3B085C9AB24}">
+                  <p16:designElem xmlns:p16="http://schemas.microsoft.com/office/powerpoint/2015/main" val="1"/>
+                </p:ext>
+              </p:extLst>
+            </p:nvPr>
+          </p:nvCxnSpPr>
+          <p:spPr>
+            <a:xfrm flipH="1">
+              <a:off x="7425267" y="3681413"/>
+              <a:ext cx="4763558" cy="3176587"/>
+            </a:xfrm>
+            <a:prstGeom prst="line">
+              <a:avLst/>
+            </a:prstGeom>
+            <a:ln w="9525">
+              <a:solidFill>
+                <a:schemeClr val="bg1">
+                  <a:lumMod val="85000"/>
+                </a:schemeClr>
+              </a:solidFill>
+            </a:ln>
+          </p:spPr>
+          <p:style>
+            <a:lnRef idx="2">
+              <a:schemeClr val="accent1"/>
+            </a:lnRef>
+            <a:fillRef idx="0">
+              <a:schemeClr val="accent1"/>
+            </a:fillRef>
+            <a:effectRef idx="1">
+              <a:schemeClr val="accent1"/>
+            </a:effectRef>
+            <a:fontRef idx="minor">
+              <a:schemeClr val="tx1"/>
+            </a:fontRef>
+          </p:style>
+        </p:cxnSp>
+        <p:sp>
+          <p:nvSpPr>
+            <p:cNvPr id="13" name="Rectangle 23">
+              <a:extLst>
+                <a:ext uri="{FF2B5EF4-FFF2-40B4-BE49-F238E27FC236}">
+                  <a16:creationId xmlns:a16="http://schemas.microsoft.com/office/drawing/2014/main" id="{887EA6D2-2883-42C2-993D-094CA6D65DA3}"/>
+                </a:ext>
+                <a:ext uri="{C183D7F6-B498-43B3-948B-1728B52AA6E4}">
+                  <adec:decorative xmlns:adec="http://schemas.microsoft.com/office/drawing/2017/decorative" val="1"/>
+                </a:ext>
+              </a:extLst>
+            </p:cNvPr>
+            <p:cNvSpPr/>
+            <p:nvPr>
+              <p:extLst>
+                <p:ext uri="{386F3935-93C4-4BCD-93E2-E3B085C9AB24}">
+                  <p16:designElem xmlns:p16="http://schemas.microsoft.com/office/powerpoint/2015/main" val="1"/>
+                </p:ext>
+              </p:extLst>
+            </p:nvPr>
+          </p:nvSpPr>
+          <p:spPr>
+            <a:xfrm>
+              <a:off x="9181476" y="-8467"/>
+              <a:ext cx="3007349" cy="6866467"/>
+            </a:xfrm>
+            <a:custGeom>
+              <a:avLst/>
+              <a:gdLst/>
+              <a:ahLst/>
+              <a:cxnLst/>
+              <a:rect l="l" t="t" r="r" b="b"/>
+              <a:pathLst>
+                <a:path w="3007349" h="6866467">
+                  <a:moveTo>
+                    <a:pt x="2045532" y="0"/>
+                  </a:moveTo>
+                  <a:lnTo>
+                    <a:pt x="3007349" y="0"/>
+                  </a:lnTo>
+                  <a:lnTo>
+                    <a:pt x="3007349" y="6866467"/>
+                  </a:lnTo>
+                  <a:lnTo>
+                    <a:pt x="0" y="6866467"/>
+                  </a:lnTo>
+                  <a:lnTo>
+                    <a:pt x="2045532" y="0"/>
+                  </a:lnTo>
+                  <a:close/>
+                </a:path>
+              </a:pathLst>
+            </a:custGeom>
+            <a:solidFill>
+              <a:schemeClr val="accent1">
+                <a:alpha val="30000"/>
+              </a:schemeClr>
+            </a:solidFill>
+            <a:ln>
+              <a:noFill/>
+            </a:ln>
+            <a:effectLst/>
+          </p:spPr>
+          <p:style>
+            <a:lnRef idx="1">
+              <a:schemeClr val="accent1"/>
+            </a:lnRef>
+            <a:fillRef idx="3">
+              <a:schemeClr val="accent1"/>
+            </a:fillRef>
+            <a:effectRef idx="2">
+              <a:schemeClr val="accent1"/>
+            </a:effectRef>
+            <a:fontRef idx="minor">
+              <a:schemeClr val="lt1"/>
+            </a:fontRef>
+          </p:style>
+        </p:sp>
+        <p:sp>
+          <p:nvSpPr>
+            <p:cNvPr id="14" name="Rectangle 25">
+              <a:extLst>
+                <a:ext uri="{FF2B5EF4-FFF2-40B4-BE49-F238E27FC236}">
+                  <a16:creationId xmlns:a16="http://schemas.microsoft.com/office/drawing/2014/main" id="{3B895046-636F-4D1B-ACA4-29AA0CB3329F}"/>
+                </a:ext>
+                <a:ext uri="{C183D7F6-B498-43B3-948B-1728B52AA6E4}">
+                  <adec:decorative xmlns:adec="http://schemas.microsoft.com/office/drawing/2017/decorative" val="1"/>
+                </a:ext>
+              </a:extLst>
+            </p:cNvPr>
+            <p:cNvSpPr/>
+            <p:nvPr>
+              <p:extLst>
+                <p:ext uri="{386F3935-93C4-4BCD-93E2-E3B085C9AB24}">
+                  <p16:designElem xmlns:p16="http://schemas.microsoft.com/office/powerpoint/2015/main" val="1"/>
+                </p:ext>
+              </p:extLst>
+            </p:nvPr>
+          </p:nvSpPr>
+          <p:spPr>
+            <a:xfrm>
+              <a:off x="9603442" y="-8467"/>
+              <a:ext cx="2588558" cy="6866467"/>
+            </a:xfrm>
+            <a:custGeom>
+              <a:avLst/>
+              <a:gdLst/>
+              <a:ahLst/>
+              <a:cxnLst/>
+              <a:rect l="l" t="t" r="r" b="b"/>
+              <a:pathLst>
+                <a:path w="2573311" h="6866467">
+                  <a:moveTo>
+                    <a:pt x="0" y="0"/>
+                  </a:moveTo>
+                  <a:lnTo>
+                    <a:pt x="2573311" y="0"/>
+                  </a:lnTo>
+                  <a:lnTo>
+                    <a:pt x="2573311" y="6866467"/>
+                  </a:lnTo>
+                  <a:lnTo>
+                    <a:pt x="1202336" y="6866467"/>
+                  </a:lnTo>
+                  <a:lnTo>
+                    <a:pt x="0" y="0"/>
+                  </a:lnTo>
+                  <a:close/>
+                </a:path>
+              </a:pathLst>
+            </a:custGeom>
+            <a:solidFill>
+              <a:schemeClr val="accent1">
+                <a:alpha val="20000"/>
+              </a:schemeClr>
+            </a:solidFill>
+            <a:ln>
+              <a:noFill/>
+            </a:ln>
+            <a:effectLst/>
+          </p:spPr>
+          <p:style>
+            <a:lnRef idx="1">
+              <a:schemeClr val="accent1"/>
+            </a:lnRef>
+            <a:fillRef idx="3">
+              <a:schemeClr val="accent1"/>
+            </a:fillRef>
+            <a:effectRef idx="2">
+              <a:schemeClr val="accent1"/>
+            </a:effectRef>
+            <a:fontRef idx="minor">
+              <a:schemeClr val="lt1"/>
+            </a:fontRef>
+          </p:style>
+        </p:sp>
+        <p:sp>
+          <p:nvSpPr>
+            <p:cNvPr id="15" name="Isosceles Triangle 14">
+              <a:extLst>
+                <a:ext uri="{FF2B5EF4-FFF2-40B4-BE49-F238E27FC236}">
+                  <a16:creationId xmlns:a16="http://schemas.microsoft.com/office/drawing/2014/main" id="{C6B0CDE3-E054-4EDD-A43B-F96843D8BF51}"/>
+                </a:ext>
+                <a:ext uri="{C183D7F6-B498-43B3-948B-1728B52AA6E4}">
+                  <adec:decorative xmlns:adec="http://schemas.microsoft.com/office/drawing/2017/decorative" val="1"/>
+                </a:ext>
+              </a:extLst>
+            </p:cNvPr>
+            <p:cNvSpPr/>
+            <p:nvPr>
+              <p:extLst>
+                <p:ext uri="{386F3935-93C4-4BCD-93E2-E3B085C9AB24}">
+                  <p16:designElem xmlns:p16="http://schemas.microsoft.com/office/powerpoint/2015/main" val="1"/>
+                </p:ext>
+              </p:extLst>
+            </p:nvPr>
+          </p:nvSpPr>
+          <p:spPr>
+            <a:xfrm>
+              <a:off x="8932333" y="3048000"/>
+              <a:ext cx="3259667" cy="3810000"/>
+            </a:xfrm>
+            <a:prstGeom prst="triangle">
+              <a:avLst>
+                <a:gd name="adj" fmla="val 100000"/>
+              </a:avLst>
+            </a:prstGeom>
+            <a:solidFill>
+              <a:schemeClr val="accent2">
+                <a:alpha val="72000"/>
+              </a:schemeClr>
+            </a:solidFill>
+            <a:ln>
+              <a:noFill/>
+            </a:ln>
+            <a:effectLst/>
+          </p:spPr>
+          <p:style>
+            <a:lnRef idx="1">
+              <a:schemeClr val="accent1"/>
+            </a:lnRef>
+            <a:fillRef idx="3">
+              <a:schemeClr val="accent1"/>
+            </a:fillRef>
+            <a:effectRef idx="2">
+              <a:schemeClr val="accent1"/>
+            </a:effectRef>
+            <a:fontRef idx="minor">
+              <a:schemeClr val="lt1"/>
+            </a:fontRef>
+          </p:style>
+        </p:sp>
+        <p:sp>
+          <p:nvSpPr>
+            <p:cNvPr id="16" name="Rectangle 27">
+              <a:extLst>
+                <a:ext uri="{FF2B5EF4-FFF2-40B4-BE49-F238E27FC236}">
+                  <a16:creationId xmlns:a16="http://schemas.microsoft.com/office/drawing/2014/main" id="{3B66B1A2-F145-4C9B-85CC-4BF30D58CBC5}"/>
+                </a:ext>
+                <a:ext uri="{C183D7F6-B498-43B3-948B-1728B52AA6E4}">
+                  <adec:decorative xmlns:adec="http://schemas.microsoft.com/office/drawing/2017/decorative" val="1"/>
+                </a:ext>
+              </a:extLst>
+            </p:cNvPr>
+            <p:cNvSpPr/>
+            <p:nvPr>
+              <p:extLst>
+                <p:ext uri="{386F3935-93C4-4BCD-93E2-E3B085C9AB24}">
+                  <p16:designElem xmlns:p16="http://schemas.microsoft.com/office/powerpoint/2015/main" val="1"/>
+                </p:ext>
+              </p:extLst>
+            </p:nvPr>
+          </p:nvSpPr>
+          <p:spPr>
+            <a:xfrm>
+              <a:off x="9334500" y="-8467"/>
+              <a:ext cx="2854326" cy="6866467"/>
+            </a:xfrm>
+            <a:custGeom>
+              <a:avLst/>
+              <a:gdLst/>
+              <a:ahLst/>
+              <a:cxnLst/>
+              <a:rect l="l" t="t" r="r" b="b"/>
+              <a:pathLst>
+                <a:path w="2858013" h="6866467">
+                  <a:moveTo>
+                    <a:pt x="0" y="0"/>
+                  </a:moveTo>
+                  <a:lnTo>
+                    <a:pt x="2858013" y="0"/>
+                  </a:lnTo>
+                  <a:lnTo>
+                    <a:pt x="2858013" y="6866467"/>
+                  </a:lnTo>
+                  <a:lnTo>
+                    <a:pt x="2473942" y="6866467"/>
+                  </a:lnTo>
+                  <a:lnTo>
+                    <a:pt x="0" y="0"/>
+                  </a:lnTo>
+                  <a:close/>
+                </a:path>
+              </a:pathLst>
+            </a:custGeom>
+            <a:solidFill>
+              <a:schemeClr val="accent2">
+                <a:lumMod val="75000"/>
+                <a:alpha val="70000"/>
+              </a:schemeClr>
+            </a:solidFill>
+            <a:ln>
+              <a:noFill/>
+            </a:ln>
+            <a:effectLst/>
+          </p:spPr>
+          <p:style>
+            <a:lnRef idx="1">
+              <a:schemeClr val="accent1"/>
+            </a:lnRef>
+            <a:fillRef idx="3">
+              <a:schemeClr val="accent1"/>
+            </a:fillRef>
+            <a:effectRef idx="2">
+              <a:schemeClr val="accent1"/>
+            </a:effectRef>
+            <a:fontRef idx="minor">
+              <a:schemeClr val="lt1"/>
+            </a:fontRef>
+          </p:style>
+        </p:sp>
+        <p:sp>
+          <p:nvSpPr>
+            <p:cNvPr id="17" name="Rectangle 28">
+              <a:extLst>
+                <a:ext uri="{FF2B5EF4-FFF2-40B4-BE49-F238E27FC236}">
+                  <a16:creationId xmlns:a16="http://schemas.microsoft.com/office/drawing/2014/main" id="{5D4FC972-94B3-4035-8D31-E668C132B411}"/>
+                </a:ext>
+                <a:ext uri="{C183D7F6-B498-43B3-948B-1728B52AA6E4}">
+                  <adec:decorative xmlns:adec="http://schemas.microsoft.com/office/drawing/2017/decorative" val="1"/>
+                </a:ext>
+              </a:extLst>
+            </p:cNvPr>
+            <p:cNvSpPr/>
+            <p:nvPr>
+              <p:extLst>
+                <p:ext uri="{386F3935-93C4-4BCD-93E2-E3B085C9AB24}">
+                  <p16:designElem xmlns:p16="http://schemas.microsoft.com/office/powerpoint/2015/main" val="1"/>
+                </p:ext>
+              </p:extLst>
+            </p:nvPr>
+          </p:nvSpPr>
+          <p:spPr>
+            <a:xfrm>
+              <a:off x="10898730" y="-8467"/>
+              <a:ext cx="1290094" cy="6866467"/>
+            </a:xfrm>
+            <a:custGeom>
+              <a:avLst/>
+              <a:gdLst/>
+              <a:ahLst/>
+              <a:cxnLst/>
+              <a:rect l="l" t="t" r="r" b="b"/>
+              <a:pathLst>
+                <a:path w="1290094" h="6858000">
+                  <a:moveTo>
+                    <a:pt x="1019735" y="0"/>
+                  </a:moveTo>
+                  <a:lnTo>
+                    <a:pt x="1290094" y="0"/>
+                  </a:lnTo>
+                  <a:lnTo>
+                    <a:pt x="1290094" y="6858000"/>
+                  </a:lnTo>
+                  <a:lnTo>
+                    <a:pt x="0" y="6858000"/>
+                  </a:lnTo>
+                  <a:lnTo>
+                    <a:pt x="1019735" y="0"/>
+                  </a:lnTo>
+                  <a:close/>
+                </a:path>
+              </a:pathLst>
+            </a:custGeom>
+            <a:solidFill>
+              <a:schemeClr val="accent1">
+                <a:lumMod val="60000"/>
+                <a:lumOff val="40000"/>
+                <a:alpha val="70000"/>
+              </a:schemeClr>
+            </a:solidFill>
+            <a:ln>
+              <a:noFill/>
+            </a:ln>
+            <a:effectLst/>
+          </p:spPr>
+          <p:style>
+            <a:lnRef idx="1">
+              <a:schemeClr val="accent1"/>
+            </a:lnRef>
+            <a:fillRef idx="3">
+              <a:schemeClr val="accent1"/>
+            </a:fillRef>
+            <a:effectRef idx="2">
+              <a:schemeClr val="accent1"/>
+            </a:effectRef>
+            <a:fontRef idx="minor">
+              <a:schemeClr val="lt1"/>
+            </a:fontRef>
+          </p:style>
+        </p:sp>
+        <p:sp>
+          <p:nvSpPr>
+            <p:cNvPr id="18" name="Rectangle 29">
+              <a:extLst>
+                <a:ext uri="{FF2B5EF4-FFF2-40B4-BE49-F238E27FC236}">
+                  <a16:creationId xmlns:a16="http://schemas.microsoft.com/office/drawing/2014/main" id="{374B9941-AFBE-4A77-A50E-B6EA04A746AE}"/>
+                </a:ext>
+                <a:ext uri="{C183D7F6-B498-43B3-948B-1728B52AA6E4}">
+                  <adec:decorative xmlns:adec="http://schemas.microsoft.com/office/drawing/2017/decorative" val="1"/>
+                </a:ext>
+              </a:extLst>
+            </p:cNvPr>
+            <p:cNvSpPr/>
+            <p:nvPr>
+              <p:extLst>
+                <p:ext uri="{386F3935-93C4-4BCD-93E2-E3B085C9AB24}">
+                  <p16:designElem xmlns:p16="http://schemas.microsoft.com/office/powerpoint/2015/main" val="1"/>
+                </p:ext>
+              </p:extLst>
+            </p:nvPr>
+          </p:nvSpPr>
+          <p:spPr>
+            <a:xfrm>
+              <a:off x="10938999" y="-8467"/>
+              <a:ext cx="1249825" cy="6866467"/>
+            </a:xfrm>
+            <a:custGeom>
+              <a:avLst/>
+              <a:gdLst/>
+              <a:ahLst/>
+              <a:cxnLst/>
+              <a:rect l="l" t="t" r="r" b="b"/>
+              <a:pathLst>
+                <a:path w="1249825" h="6858000">
+                  <a:moveTo>
+                    <a:pt x="0" y="0"/>
+                  </a:moveTo>
+                  <a:lnTo>
+                    <a:pt x="1249825" y="0"/>
+                  </a:lnTo>
+                  <a:lnTo>
+                    <a:pt x="1249825" y="6858000"/>
+                  </a:lnTo>
+                  <a:lnTo>
+                    <a:pt x="1109382" y="6858000"/>
+                  </a:lnTo>
+                  <a:lnTo>
+                    <a:pt x="0" y="0"/>
+                  </a:lnTo>
+                  <a:close/>
+                </a:path>
+              </a:pathLst>
+            </a:custGeom>
+            <a:solidFill>
+              <a:schemeClr val="accent1">
+                <a:alpha val="65000"/>
+              </a:schemeClr>
+            </a:solidFill>
+            <a:ln>
+              <a:noFill/>
+            </a:ln>
+            <a:effectLst/>
+          </p:spPr>
+          <p:style>
+            <a:lnRef idx="1">
+              <a:schemeClr val="accent1"/>
+            </a:lnRef>
+            <a:fillRef idx="3">
+              <a:schemeClr val="accent1"/>
+            </a:fillRef>
+            <a:effectRef idx="2">
+              <a:schemeClr val="accent1"/>
+            </a:effectRef>
+            <a:fontRef idx="minor">
+              <a:schemeClr val="lt1"/>
+            </a:fontRef>
+          </p:style>
+        </p:sp>
+        <p:sp>
+          <p:nvSpPr>
+            <p:cNvPr id="19" name="Isosceles Triangle 18">
+              <a:extLst>
+                <a:ext uri="{FF2B5EF4-FFF2-40B4-BE49-F238E27FC236}">
+                  <a16:creationId xmlns:a16="http://schemas.microsoft.com/office/drawing/2014/main" id="{27A982C5-2C38-4CE9-BC18-94697AD657FB}"/>
+                </a:ext>
+                <a:ext uri="{C183D7F6-B498-43B3-948B-1728B52AA6E4}">
+                  <adec:decorative xmlns:adec="http://schemas.microsoft.com/office/drawing/2017/decorative" val="1"/>
+                </a:ext>
+              </a:extLst>
+            </p:cNvPr>
+            <p:cNvSpPr/>
+            <p:nvPr>
+              <p:extLst>
+                <p:ext uri="{386F3935-93C4-4BCD-93E2-E3B085C9AB24}">
+                  <p16:designElem xmlns:p16="http://schemas.microsoft.com/office/powerpoint/2015/main" val="1"/>
+                </p:ext>
+              </p:extLst>
+            </p:nvPr>
+          </p:nvSpPr>
+          <p:spPr>
+            <a:xfrm>
+              <a:off x="10371666" y="3589867"/>
+              <a:ext cx="1817159" cy="3268133"/>
+            </a:xfrm>
+            <a:prstGeom prst="triangle">
+              <a:avLst>
+                <a:gd name="adj" fmla="val 100000"/>
+              </a:avLst>
+            </a:prstGeom>
+            <a:solidFill>
+              <a:schemeClr val="accent1">
+                <a:alpha val="80000"/>
+              </a:schemeClr>
+            </a:solidFill>
+            <a:ln>
+              <a:noFill/>
+            </a:ln>
+            <a:effectLst/>
+          </p:spPr>
+          <p:style>
+            <a:lnRef idx="1">
+              <a:schemeClr val="accent1"/>
+            </a:lnRef>
+            <a:fillRef idx="3">
+              <a:schemeClr val="accent1"/>
+            </a:fillRef>
+            <a:effectRef idx="2">
+              <a:schemeClr val="accent1"/>
+            </a:effectRef>
+            <a:fontRef idx="minor">
+              <a:schemeClr val="lt1"/>
+            </a:fontRef>
+          </p:style>
+        </p:sp>
+        <p:sp>
+          <p:nvSpPr>
+            <p:cNvPr id="20" name="Isosceles Triangle 19">
+              <a:extLst>
+                <a:ext uri="{FF2B5EF4-FFF2-40B4-BE49-F238E27FC236}">
+                  <a16:creationId xmlns:a16="http://schemas.microsoft.com/office/drawing/2014/main" id="{0060D8D1-7BB1-498F-AFBB-ADAC130A9E90}"/>
+                </a:ext>
+                <a:ext uri="{C183D7F6-B498-43B3-948B-1728B52AA6E4}">
+                  <adec:decorative xmlns:adec="http://schemas.microsoft.com/office/drawing/2017/decorative" val="1"/>
+                </a:ext>
+              </a:extLst>
+            </p:cNvPr>
+            <p:cNvSpPr/>
+            <p:nvPr>
+              <p:extLst>
+                <p:ext uri="{386F3935-93C4-4BCD-93E2-E3B085C9AB24}">
+                  <p16:designElem xmlns:p16="http://schemas.microsoft.com/office/powerpoint/2015/main" val="1"/>
+                </p:ext>
+              </p:extLst>
+            </p:nvPr>
+          </p:nvSpPr>
+          <p:spPr>
+            <a:xfrm rot="10800000">
+              <a:off x="0" y="0"/>
+              <a:ext cx="842596" cy="5666154"/>
+            </a:xfrm>
+            <a:prstGeom prst="triangle">
+              <a:avLst>
+                <a:gd name="adj" fmla="val 100000"/>
+              </a:avLst>
+            </a:prstGeom>
+            <a:solidFill>
+              <a:schemeClr val="accent1">
+                <a:alpha val="85000"/>
+              </a:schemeClr>
+            </a:solidFill>
+            <a:ln>
+              <a:noFill/>
+            </a:ln>
+            <a:effectLst/>
+          </p:spPr>
+          <p:style>
+            <a:lnRef idx="1">
+              <a:schemeClr val="accent1"/>
+            </a:lnRef>
+            <a:fillRef idx="3">
+              <a:schemeClr val="accent1"/>
+            </a:fillRef>
+            <a:effectRef idx="2">
+              <a:schemeClr val="accent1"/>
+            </a:effectRef>
+            <a:fontRef idx="minor">
+              <a:schemeClr val="lt1"/>
+            </a:fontRef>
+          </p:style>
+        </p:sp>
+      </p:grpSp>
+      <p:sp>
+        <p:nvSpPr>
+          <p:cNvPr id="2" name="Title 1">
+            <a:extLst>
+              <a:ext uri="{FF2B5EF4-FFF2-40B4-BE49-F238E27FC236}">
+                <a16:creationId xmlns:a16="http://schemas.microsoft.com/office/drawing/2014/main" id="{99C0841D-CBFB-4A24-BABA-99FD29640D8B}"/>
+              </a:ext>
+            </a:extLst>
+          </p:cNvPr>
+          <p:cNvSpPr>
+            <a:spLocks noGrp="1"/>
+          </p:cNvSpPr>
+          <p:nvPr>
+            <p:ph type="title"/>
+          </p:nvPr>
+        </p:nvSpPr>
+        <p:spPr>
+          <a:xfrm>
+            <a:off x="2312126" y="258511"/>
+            <a:ext cx="6866176" cy="812643"/>
+          </a:xfrm>
+        </p:spPr>
+        <p:txBody>
+          <a:bodyPr vert="horz" lIns="91440" tIns="45720" rIns="91440" bIns="45720" rtlCol="0" anchor="b">
+            <a:normAutofit fontScale="90000"/>
+          </a:bodyPr>
+          <a:lstStyle/>
+          <a:p>
+            <a:r>
+              <a:rPr lang="en-US" sz="5400" kern="1200" dirty="0">
+                <a:solidFill>
+                  <a:schemeClr val="accent1"/>
+                </a:solidFill>
+                <a:latin typeface="+mj-lt"/>
+                <a:ea typeface="+mj-ea"/>
+                <a:cs typeface="+mj-cs"/>
+              </a:rPr>
+              <a:t>Air Quality Index Scale </a:t>
+            </a:r>
+          </a:p>
+        </p:txBody>
+      </p:sp>
+      <p:sp>
+        <p:nvSpPr>
+          <p:cNvPr id="22" name="Isosceles Triangle 21">
+            <a:extLst>
+              <a:ext uri="{FF2B5EF4-FFF2-40B4-BE49-F238E27FC236}">
+                <a16:creationId xmlns:a16="http://schemas.microsoft.com/office/drawing/2014/main" id="{5A7802B6-FF37-40CF-A7E2-6F2A0D9A91EF}"/>
+              </a:ext>
+              <a:ext uri="{C183D7F6-B498-43B3-948B-1728B52AA6E4}">
+                <adec:decorative xmlns:adec="http://schemas.microsoft.com/office/drawing/2017/decorative" val="1"/>
+              </a:ext>
+            </a:extLst>
+          </p:cNvPr>
+          <p:cNvSpPr>
+            <a:spLocks noGrp="1" noRot="1" noChangeAspect="1" noMove="1" noResize="1" noEditPoints="1" noAdjustHandles="1" noChangeArrowheads="1" noChangeShapeType="1" noTextEdit="1"/>
+          </p:cNvSpPr>
+          <p:nvPr>
+            <p:extLst>
+              <p:ext uri="{386F3935-93C4-4BCD-93E2-E3B085C9AB24}">
+                <p16:designElem xmlns:p16="http://schemas.microsoft.com/office/powerpoint/2015/main" val="1"/>
+              </p:ext>
+            </p:extLst>
+          </p:nvPr>
+        </p:nvSpPr>
+        <p:spPr>
+          <a:xfrm rot="10800000">
+            <a:off x="3174" y="12700"/>
+            <a:ext cx="842596" cy="5666154"/>
+          </a:xfrm>
+          <a:prstGeom prst="triangle">
+            <a:avLst>
+              <a:gd name="adj" fmla="val 100000"/>
+            </a:avLst>
+          </a:prstGeom>
+          <a:solidFill>
+            <a:schemeClr val="accent1">
+              <a:alpha val="85000"/>
+            </a:schemeClr>
+          </a:solidFill>
+          <a:ln>
+            <a:noFill/>
+          </a:ln>
+          <a:effectLst/>
+        </p:spPr>
+        <p:style>
+          <a:lnRef idx="1">
+            <a:schemeClr val="accent1"/>
+          </a:lnRef>
+          <a:fillRef idx="3">
+            <a:schemeClr val="accent1"/>
+          </a:fillRef>
+          <a:effectRef idx="2">
+            <a:schemeClr val="accent1"/>
+          </a:effectRef>
+          <a:fontRef idx="minor">
+            <a:schemeClr val="lt1"/>
+          </a:fontRef>
+        </p:style>
+      </p:sp>
+      <p:pic>
+        <p:nvPicPr>
+          <p:cNvPr id="5" name="Content Placeholder 4" descr="Table&#10;&#10;Description automatically generated with low confidence">
+            <a:extLst>
+              <a:ext uri="{FF2B5EF4-FFF2-40B4-BE49-F238E27FC236}">
+                <a16:creationId xmlns:a16="http://schemas.microsoft.com/office/drawing/2014/main" id="{938DD890-F303-41AA-99BF-7968E938724A}"/>
+              </a:ext>
+            </a:extLst>
+          </p:cNvPr>
+          <p:cNvPicPr>
+            <a:picLocks noGrp="1" noChangeAspect="1"/>
+          </p:cNvPicPr>
+          <p:nvPr>
+            <p:ph idx="1"/>
+          </p:nvPr>
+        </p:nvPicPr>
+        <p:blipFill>
+          <a:blip r:embed="rId2"/>
+          <a:stretch>
+            <a:fillRect/>
+          </a:stretch>
+        </p:blipFill>
+        <p:spPr bwMode="auto">
+          <a:xfrm>
+            <a:off x="2349663" y="1329846"/>
+            <a:ext cx="6008585" cy="4611588"/>
+          </a:xfrm>
+          <a:prstGeom prst="rect">
+            <a:avLst/>
+          </a:prstGeom>
+          <a:solidFill>
+            <a:srgbClr val="FFFFFF"/>
+          </a:solidFill>
+        </p:spPr>
+      </p:pic>
+    </p:spTree>
+    <p:extLst>
+      <p:ext uri="{BB962C8B-B14F-4D97-AF65-F5344CB8AC3E}">
+        <p14:creationId xmlns:p14="http://schemas.microsoft.com/office/powerpoint/2010/main" val="3395313314"/>
+      </p:ext>
+    </p:extLst>
+  </p:cSld>
+  <p:clrMapOvr>
+    <a:masterClrMapping/>
+  </p:clrMapOvr>
+</p:sld>
+</file>
+
+<file path=ppt/slides/slide6.xml><?xml version="1.0" encoding="utf-8"?>
+<p:sld xmlns:a="http://schemas.openxmlformats.org/drawingml/2006/main" xmlns:r="http://schemas.openxmlformats.org/officeDocument/2006/relationships" xmlns:p="http://schemas.openxmlformats.org/presentationml/2006/main">
+  <p:cSld>
+    <p:spTree>
+      <p:nvGrpSpPr>
+        <p:cNvPr id="1" name=""/>
+        <p:cNvGrpSpPr/>
+        <p:nvPr/>
+      </p:nvGrpSpPr>
+      <p:grpSpPr>
+        <a:xfrm>
+          <a:off x="0" y="0"/>
+          <a:ext cx="0" cy="0"/>
+          <a:chOff x="0" y="0"/>
+          <a:chExt cx="0" cy="0"/>
+        </a:xfrm>
+      </p:grpSpPr>
       <p:sp>
         <p:nvSpPr>
           <p:cNvPr id="4" name="Text Placeholder 3">
@@ -6762,10 +8087,527 @@
           </a:p>
         </p:txBody>
       </p:sp>
+      <p:pic>
+        <p:nvPicPr>
+          <p:cNvPr id="3" name="Picture 2" descr="Chart, line chart&#10;&#10;Description automatically generated">
+            <a:extLst>
+              <a:ext uri="{FF2B5EF4-FFF2-40B4-BE49-F238E27FC236}">
+                <a16:creationId xmlns:a16="http://schemas.microsoft.com/office/drawing/2014/main" id="{78D05010-7883-427F-A7B7-C18B19D2F72C}"/>
+              </a:ext>
+            </a:extLst>
+          </p:cNvPr>
+          <p:cNvPicPr>
+            <a:picLocks noChangeAspect="1"/>
+          </p:cNvPicPr>
+          <p:nvPr/>
+        </p:nvPicPr>
+        <p:blipFill>
+          <a:blip r:embed="rId2">
+            <a:extLst>
+              <a:ext uri="{28A0092B-C50C-407E-A947-70E740481C1C}">
+                <a14:useLocalDpi xmlns:a14="http://schemas.microsoft.com/office/drawing/2010/main" val="0"/>
+              </a:ext>
+            </a:extLst>
+          </a:blip>
+          <a:stretch>
+            <a:fillRect/>
+          </a:stretch>
+        </p:blipFill>
+        <p:spPr>
+          <a:xfrm>
+            <a:off x="1424932" y="1120587"/>
+            <a:ext cx="6872287" cy="4326623"/>
+          </a:xfrm>
+          <a:prstGeom prst="rect">
+            <a:avLst/>
+          </a:prstGeom>
+        </p:spPr>
+      </p:pic>
+      <p:sp>
+        <p:nvSpPr>
+          <p:cNvPr id="5" name="TextBox 4">
+            <a:extLst>
+              <a:ext uri="{FF2B5EF4-FFF2-40B4-BE49-F238E27FC236}">
+                <a16:creationId xmlns:a16="http://schemas.microsoft.com/office/drawing/2014/main" id="{D417C2C7-54E5-445E-AB48-503994252A1D}"/>
+              </a:ext>
+            </a:extLst>
+          </p:cNvPr>
+          <p:cNvSpPr txBox="1"/>
+          <p:nvPr/>
+        </p:nvSpPr>
+        <p:spPr>
+          <a:xfrm>
+            <a:off x="2313913" y="5447210"/>
+            <a:ext cx="5983306" cy="1200329"/>
+          </a:xfrm>
+          <a:prstGeom prst="rect">
+            <a:avLst/>
+          </a:prstGeom>
+          <a:noFill/>
+        </p:spPr>
+        <p:txBody>
+          <a:bodyPr wrap="square" rtlCol="0">
+            <a:spAutoFit/>
+          </a:bodyPr>
+          <a:lstStyle/>
+          <a:p>
+            <a:pPr algn="ctr"/>
+            <a:r>
+              <a:rPr lang="en-US" dirty="0"/>
+              <a:t>2018 AQI Mean    24.634722</a:t>
+            </a:r>
+          </a:p>
+          <a:p>
+            <a:pPr algn="ctr"/>
+            <a:r>
+              <a:rPr lang="en-US" dirty="0"/>
+              <a:t>2019 AQI Mean    22.530556</a:t>
+            </a:r>
+          </a:p>
+          <a:p>
+            <a:pPr algn="ctr"/>
+            <a:r>
+              <a:rPr lang="en-US" dirty="0"/>
+              <a:t>2020 AQI Mean    19.848611</a:t>
+            </a:r>
+          </a:p>
+          <a:p>
+            <a:pPr algn="ctr"/>
+            <a:r>
+              <a:rPr lang="en-US" dirty="0"/>
+              <a:t>2021 AQI Mean    20.319444</a:t>
+            </a:r>
+          </a:p>
+        </p:txBody>
+      </p:sp>
     </p:spTree>
     <p:extLst>
       <p:ext uri="{BB962C8B-B14F-4D97-AF65-F5344CB8AC3E}">
         <p14:creationId xmlns:p14="http://schemas.microsoft.com/office/powerpoint/2010/main" val="165313156"/>
+      </p:ext>
+    </p:extLst>
+  </p:cSld>
+  <p:clrMapOvr>
+    <a:masterClrMapping/>
+  </p:clrMapOvr>
+</p:sld>
+</file>
+
+<file path=ppt/slides/slide7.xml><?xml version="1.0" encoding="utf-8"?>
+<p:sld xmlns:a="http://schemas.openxmlformats.org/drawingml/2006/main" xmlns:r="http://schemas.openxmlformats.org/officeDocument/2006/relationships" xmlns:p="http://schemas.openxmlformats.org/presentationml/2006/main">
+  <p:cSld>
+    <p:spTree>
+      <p:nvGrpSpPr>
+        <p:cNvPr id="1" name=""/>
+        <p:cNvGrpSpPr/>
+        <p:nvPr/>
+      </p:nvGrpSpPr>
+      <p:grpSpPr>
+        <a:xfrm>
+          <a:off x="0" y="0"/>
+          <a:ext cx="0" cy="0"/>
+          <a:chOff x="0" y="0"/>
+          <a:chExt cx="0" cy="0"/>
+        </a:xfrm>
+      </p:grpSpPr>
+      <p:sp>
+        <p:nvSpPr>
+          <p:cNvPr id="2" name="Title 1">
+            <a:extLst>
+              <a:ext uri="{FF2B5EF4-FFF2-40B4-BE49-F238E27FC236}">
+                <a16:creationId xmlns:a16="http://schemas.microsoft.com/office/drawing/2014/main" id="{DB46D5D5-4B01-479C-8F09-A75A2EE396D1}"/>
+              </a:ext>
+            </a:extLst>
+          </p:cNvPr>
+          <p:cNvSpPr>
+            <a:spLocks noGrp="1"/>
+          </p:cNvSpPr>
+          <p:nvPr>
+            <p:ph type="title"/>
+          </p:nvPr>
+        </p:nvSpPr>
+        <p:spPr/>
+        <p:txBody>
+          <a:bodyPr/>
+          <a:lstStyle/>
+          <a:p>
+            <a:r>
+              <a:rPr lang="en-US" dirty="0"/>
+              <a:t>Phil 2</a:t>
+            </a:r>
+            <a:r>
+              <a:rPr lang="en-US" baseline="30000" dirty="0"/>
+              <a:t>nd</a:t>
+            </a:r>
+            <a:r>
+              <a:rPr lang="en-US" dirty="0"/>
+              <a:t> Slide</a:t>
+            </a:r>
+          </a:p>
+        </p:txBody>
+      </p:sp>
+      <p:sp>
+        <p:nvSpPr>
+          <p:cNvPr id="3" name="Content Placeholder 2">
+            <a:extLst>
+              <a:ext uri="{FF2B5EF4-FFF2-40B4-BE49-F238E27FC236}">
+                <a16:creationId xmlns:a16="http://schemas.microsoft.com/office/drawing/2014/main" id="{BAC01A31-0858-4394-932D-43961D4152B9}"/>
+              </a:ext>
+            </a:extLst>
+          </p:cNvPr>
+          <p:cNvSpPr>
+            <a:spLocks noGrp="1"/>
+          </p:cNvSpPr>
+          <p:nvPr>
+            <p:ph idx="1"/>
+          </p:nvPr>
+        </p:nvSpPr>
+        <p:spPr/>
+        <p:txBody>
+          <a:bodyPr/>
+          <a:lstStyle/>
+          <a:p>
+            <a:endParaRPr lang="en-US"/>
+          </a:p>
+        </p:txBody>
+      </p:sp>
+    </p:spTree>
+    <p:extLst>
+      <p:ext uri="{BB962C8B-B14F-4D97-AF65-F5344CB8AC3E}">
+        <p14:creationId xmlns:p14="http://schemas.microsoft.com/office/powerpoint/2010/main" val="3441563902"/>
+      </p:ext>
+    </p:extLst>
+  </p:cSld>
+  <p:clrMapOvr>
+    <a:masterClrMapping/>
+  </p:clrMapOvr>
+</p:sld>
+</file>
+
+<file path=ppt/slides/slide8.xml><?xml version="1.0" encoding="utf-8"?>
+<p:sld xmlns:a="http://schemas.openxmlformats.org/drawingml/2006/main" xmlns:r="http://schemas.openxmlformats.org/officeDocument/2006/relationships" xmlns:p="http://schemas.openxmlformats.org/presentationml/2006/main">
+  <p:cSld>
+    <p:spTree>
+      <p:nvGrpSpPr>
+        <p:cNvPr id="1" name=""/>
+        <p:cNvGrpSpPr/>
+        <p:nvPr/>
+      </p:nvGrpSpPr>
+      <p:grpSpPr>
+        <a:xfrm>
+          <a:off x="0" y="0"/>
+          <a:ext cx="0" cy="0"/>
+          <a:chOff x="0" y="0"/>
+          <a:chExt cx="0" cy="0"/>
+        </a:xfrm>
+      </p:grpSpPr>
+      <p:sp>
+        <p:nvSpPr>
+          <p:cNvPr id="4" name="Text Placeholder 3">
+            <a:extLst>
+              <a:ext uri="{FF2B5EF4-FFF2-40B4-BE49-F238E27FC236}">
+                <a16:creationId xmlns:a16="http://schemas.microsoft.com/office/drawing/2014/main" id="{D491E3EE-2F6B-4209-ACDF-0A597F884C56}"/>
+              </a:ext>
+            </a:extLst>
+          </p:cNvPr>
+          <p:cNvSpPr>
+            <a:spLocks noGrp="1"/>
+          </p:cNvSpPr>
+          <p:nvPr>
+            <p:ph type="body" sz="half" idx="2"/>
+          </p:nvPr>
+        </p:nvSpPr>
+        <p:spPr>
+          <a:xfrm>
+            <a:off x="726141" y="278337"/>
+            <a:ext cx="8041341" cy="842251"/>
+          </a:xfrm>
+        </p:spPr>
+        <p:txBody>
+          <a:bodyPr>
+            <a:normAutofit/>
+          </a:bodyPr>
+          <a:lstStyle/>
+          <a:p>
+            <a:pPr algn="ctr"/>
+            <a:r>
+              <a:rPr lang="en-US" sz="1800" dirty="0"/>
+              <a:t>Does the Air Quality Index affect the average temperature change(value)  over time?</a:t>
+            </a:r>
+            <a:endParaRPr lang="en-US" dirty="0"/>
+          </a:p>
+        </p:txBody>
+      </p:sp>
+      <p:pic>
+        <p:nvPicPr>
+          <p:cNvPr id="6" name="Picture 5" descr="Chart, bar chart&#10;&#10;Description automatically generated">
+            <a:extLst>
+              <a:ext uri="{FF2B5EF4-FFF2-40B4-BE49-F238E27FC236}">
+                <a16:creationId xmlns:a16="http://schemas.microsoft.com/office/drawing/2014/main" id="{FD865D37-231C-4BB1-96D5-5A7DED1AF043}"/>
+              </a:ext>
+            </a:extLst>
+          </p:cNvPr>
+          <p:cNvPicPr>
+            <a:picLocks noChangeAspect="1"/>
+          </p:cNvPicPr>
+          <p:nvPr/>
+        </p:nvPicPr>
+        <p:blipFill>
+          <a:blip r:embed="rId2">
+            <a:extLst>
+              <a:ext uri="{28A0092B-C50C-407E-A947-70E740481C1C}">
+                <a14:useLocalDpi xmlns:a14="http://schemas.microsoft.com/office/drawing/2010/main" val="0"/>
+              </a:ext>
+            </a:extLst>
+          </a:blip>
+          <a:stretch>
+            <a:fillRect/>
+          </a:stretch>
+        </p:blipFill>
+        <p:spPr>
+          <a:xfrm>
+            <a:off x="1392691" y="821960"/>
+            <a:ext cx="7825749" cy="4923877"/>
+          </a:xfrm>
+          <a:prstGeom prst="rect">
+            <a:avLst/>
+          </a:prstGeom>
+        </p:spPr>
+      </p:pic>
+      <p:sp>
+        <p:nvSpPr>
+          <p:cNvPr id="7" name="TextBox 6">
+            <a:extLst>
+              <a:ext uri="{FF2B5EF4-FFF2-40B4-BE49-F238E27FC236}">
+                <a16:creationId xmlns:a16="http://schemas.microsoft.com/office/drawing/2014/main" id="{F6BBA7DC-E94B-4C1F-975E-D10403BB905A}"/>
+              </a:ext>
+            </a:extLst>
+          </p:cNvPr>
+          <p:cNvSpPr txBox="1"/>
+          <p:nvPr/>
+        </p:nvSpPr>
+        <p:spPr>
+          <a:xfrm>
+            <a:off x="3265714" y="3429000"/>
+            <a:ext cx="1201783" cy="369332"/>
+          </a:xfrm>
+          <a:prstGeom prst="rect">
+            <a:avLst/>
+          </a:prstGeom>
+          <a:noFill/>
+        </p:spPr>
+        <p:txBody>
+          <a:bodyPr wrap="square" rtlCol="0">
+            <a:spAutoFit/>
+          </a:bodyPr>
+          <a:lstStyle/>
+          <a:p>
+            <a:r>
+              <a:rPr lang="en-US" dirty="0">
+                <a:solidFill>
+                  <a:srgbClr val="FFFF00"/>
+                </a:solidFill>
+              </a:rPr>
+              <a:t>+1.18 </a:t>
+            </a:r>
+          </a:p>
+        </p:txBody>
+      </p:sp>
+      <p:sp>
+        <p:nvSpPr>
+          <p:cNvPr id="8" name="TextBox 7">
+            <a:extLst>
+              <a:ext uri="{FF2B5EF4-FFF2-40B4-BE49-F238E27FC236}">
+                <a16:creationId xmlns:a16="http://schemas.microsoft.com/office/drawing/2014/main" id="{4D8AB379-5025-424B-8AE4-A55AC8F88F39}"/>
+              </a:ext>
+            </a:extLst>
+          </p:cNvPr>
+          <p:cNvSpPr txBox="1"/>
+          <p:nvPr/>
+        </p:nvSpPr>
+        <p:spPr>
+          <a:xfrm>
+            <a:off x="6353111" y="3429000"/>
+            <a:ext cx="979714" cy="369332"/>
+          </a:xfrm>
+          <a:prstGeom prst="rect">
+            <a:avLst/>
+          </a:prstGeom>
+          <a:noFill/>
+        </p:spPr>
+        <p:txBody>
+          <a:bodyPr wrap="square" rtlCol="0">
+            <a:spAutoFit/>
+          </a:bodyPr>
+          <a:lstStyle/>
+          <a:p>
+            <a:r>
+              <a:rPr lang="en-US" dirty="0">
+                <a:solidFill>
+                  <a:srgbClr val="FFFF00"/>
+                </a:solidFill>
+              </a:rPr>
+              <a:t>+1.71</a:t>
+            </a:r>
+          </a:p>
+        </p:txBody>
+      </p:sp>
+    </p:spTree>
+    <p:extLst>
+      <p:ext uri="{BB962C8B-B14F-4D97-AF65-F5344CB8AC3E}">
+        <p14:creationId xmlns:p14="http://schemas.microsoft.com/office/powerpoint/2010/main" val="1843287494"/>
+      </p:ext>
+    </p:extLst>
+  </p:cSld>
+  <p:clrMapOvr>
+    <a:masterClrMapping/>
+  </p:clrMapOvr>
+</p:sld>
+</file>
+
+<file path=ppt/slides/slide9.xml><?xml version="1.0" encoding="utf-8"?>
+<p:sld xmlns:a="http://schemas.openxmlformats.org/drawingml/2006/main" xmlns:r="http://schemas.openxmlformats.org/officeDocument/2006/relationships" xmlns:p="http://schemas.openxmlformats.org/presentationml/2006/main">
+  <p:cSld>
+    <p:spTree>
+      <p:nvGrpSpPr>
+        <p:cNvPr id="1" name=""/>
+        <p:cNvGrpSpPr/>
+        <p:nvPr/>
+      </p:nvGrpSpPr>
+      <p:grpSpPr>
+        <a:xfrm>
+          <a:off x="0" y="0"/>
+          <a:ext cx="0" cy="0"/>
+          <a:chOff x="0" y="0"/>
+          <a:chExt cx="0" cy="0"/>
+        </a:xfrm>
+      </p:grpSpPr>
+      <p:sp>
+        <p:nvSpPr>
+          <p:cNvPr id="4" name="Text Placeholder 3">
+            <a:extLst>
+              <a:ext uri="{FF2B5EF4-FFF2-40B4-BE49-F238E27FC236}">
+                <a16:creationId xmlns:a16="http://schemas.microsoft.com/office/drawing/2014/main" id="{D491E3EE-2F6B-4209-ACDF-0A597F884C56}"/>
+              </a:ext>
+            </a:extLst>
+          </p:cNvPr>
+          <p:cNvSpPr>
+            <a:spLocks noGrp="1"/>
+          </p:cNvSpPr>
+          <p:nvPr>
+            <p:ph type="body" sz="half" idx="2"/>
+          </p:nvPr>
+        </p:nvSpPr>
+        <p:spPr>
+          <a:xfrm>
+            <a:off x="726141" y="278337"/>
+            <a:ext cx="8041341" cy="842251"/>
+          </a:xfrm>
+        </p:spPr>
+        <p:txBody>
+          <a:bodyPr>
+            <a:normAutofit/>
+          </a:bodyPr>
+          <a:lstStyle/>
+          <a:p>
+            <a:pPr algn="ctr"/>
+            <a:r>
+              <a:rPr lang="en-US" sz="1800" dirty="0"/>
+              <a:t>Is there a relationship between population and AQI on average?</a:t>
+            </a:r>
+            <a:endParaRPr lang="en-US" dirty="0"/>
+          </a:p>
+        </p:txBody>
+      </p:sp>
+      <p:pic>
+        <p:nvPicPr>
+          <p:cNvPr id="3" name="Picture 2" descr="Chart, scatter chart&#10;&#10;Description automatically generated">
+            <a:extLst>
+              <a:ext uri="{FF2B5EF4-FFF2-40B4-BE49-F238E27FC236}">
+                <a16:creationId xmlns:a16="http://schemas.microsoft.com/office/drawing/2014/main" id="{58F5C910-18AD-4443-BAE9-FC21FF03119D}"/>
+              </a:ext>
+            </a:extLst>
+          </p:cNvPr>
+          <p:cNvPicPr>
+            <a:picLocks noChangeAspect="1"/>
+          </p:cNvPicPr>
+          <p:nvPr/>
+        </p:nvPicPr>
+        <p:blipFill>
+          <a:blip r:embed="rId2">
+            <a:extLst>
+              <a:ext uri="{28A0092B-C50C-407E-A947-70E740481C1C}">
+                <a14:useLocalDpi xmlns:a14="http://schemas.microsoft.com/office/drawing/2010/main" val="0"/>
+              </a:ext>
+            </a:extLst>
+          </a:blip>
+          <a:stretch>
+            <a:fillRect/>
+          </a:stretch>
+        </p:blipFill>
+        <p:spPr>
+          <a:xfrm>
+            <a:off x="1820725" y="986241"/>
+            <a:ext cx="5852172" cy="4389129"/>
+          </a:xfrm>
+          <a:prstGeom prst="rect">
+            <a:avLst/>
+          </a:prstGeom>
+        </p:spPr>
+      </p:pic>
+      <p:sp>
+        <p:nvSpPr>
+          <p:cNvPr id="5" name="TextBox 4">
+            <a:extLst>
+              <a:ext uri="{FF2B5EF4-FFF2-40B4-BE49-F238E27FC236}">
+                <a16:creationId xmlns:a16="http://schemas.microsoft.com/office/drawing/2014/main" id="{EEA745D1-BA9E-4D52-BC25-F0C7C441164B}"/>
+              </a:ext>
+            </a:extLst>
+          </p:cNvPr>
+          <p:cNvSpPr txBox="1"/>
+          <p:nvPr/>
+        </p:nvSpPr>
+        <p:spPr>
+          <a:xfrm>
+            <a:off x="2076994" y="5375370"/>
+            <a:ext cx="6335486" cy="646331"/>
+          </a:xfrm>
+          <a:prstGeom prst="rect">
+            <a:avLst/>
+          </a:prstGeom>
+          <a:noFill/>
+        </p:spPr>
+        <p:txBody>
+          <a:bodyPr wrap="square" rtlCol="0">
+            <a:spAutoFit/>
+          </a:bodyPr>
+          <a:lstStyle/>
+          <a:p>
+            <a:pPr marL="285750" indent="-285750">
+              <a:buFont typeface="Arial" panose="020B0604020202020204" pitchFamily="34" charset="0"/>
+              <a:buChar char="•"/>
+            </a:pPr>
+            <a:r>
+              <a:rPr lang="en-US" dirty="0"/>
+              <a:t>25 Country Sampling </a:t>
+            </a:r>
+          </a:p>
+          <a:p>
+            <a:pPr marL="285750" indent="-285750">
+              <a:buFont typeface="Arial" panose="020B0604020202020204" pitchFamily="34" charset="0"/>
+              <a:buChar char="•"/>
+            </a:pPr>
+            <a:r>
+              <a:rPr lang="en-US" dirty="0"/>
+              <a:t>Smaller population has better AQI per sample</a:t>
+            </a:r>
+          </a:p>
+        </p:txBody>
+      </p:sp>
+    </p:spTree>
+    <p:extLst>
+      <p:ext uri="{BB962C8B-B14F-4D97-AF65-F5344CB8AC3E}">
+        <p14:creationId xmlns:p14="http://schemas.microsoft.com/office/powerpoint/2010/main" val="3012274709"/>
       </p:ext>
     </p:extLst>
   </p:cSld>
